--- a/source/beyond/parallel/_static/parallel.pptx
+++ b/source/beyond/parallel/_static/parallel.pptx
@@ -221,7 +221,7 @@
           <a:p>
             <a:fld id="{84F29782-C61A-CD4C-9376-B0A272778357}" type="datetimeFigureOut">
               <a:rPr lang="en-NO" smtClean="0"/>
-              <a:t>12/11/2023</a:t>
+              <a:t>13/11/2023</a:t>
             </a:fld>
             <a:endParaRPr lang="en-NO"/>
           </a:p>
@@ -4326,8 +4326,8 @@
         </p:nvSpPr>
         <p:spPr>
           <a:xfrm>
-            <a:off x="7949184" y="5713412"/>
-            <a:ext cx="3922869" cy="646331"/>
+            <a:off x="8425908" y="5620413"/>
+            <a:ext cx="3433953" cy="646331"/>
           </a:xfrm>
           <a:prstGeom prst="rect">
             <a:avLst/>
@@ -4349,7 +4349,7 @@
                 <a:effectLst/>
                 <a:latin typeface="Montserrat" pitchFamily="2" charset="77"/>
               </a:rPr>
-              <a:t>Go to </a:t>
+              <a:t>Ask anything on </a:t>
             </a:r>
             <a:r>
               <a:rPr lang="en-GB" b="1" i="0" dirty="0" err="1">
@@ -4359,42 +4359,35 @@
                 <a:effectLst/>
                 <a:latin typeface="Montserrat" pitchFamily="2" charset="77"/>
               </a:rPr>
-              <a:t>www.menti.com</a:t>
-            </a:r>
-            <a:r>
-              <a:rPr lang="en-GB" b="0" i="0" dirty="0">
+              <a:t>menti.com</a:t>
+            </a:r>
+            <a:br>
+              <a:rPr lang="en-GB" b="1" dirty="0">
                 <a:solidFill>
                   <a:schemeClr val="accent6"/>
                 </a:solidFill>
-                <a:effectLst/>
                 <a:latin typeface="Montserrat" pitchFamily="2" charset="77"/>
               </a:rPr>
-              <a:t> and use </a:t>
-            </a:r>
-          </a:p>
-          <a:p>
-            <a:pPr algn="r"/>
-            <a:r>
-              <a:rPr lang="en-GB" b="0" i="0" dirty="0">
+            </a:br>
+            <a:r>
+              <a:rPr lang="en-GB" dirty="0">
                 <a:solidFill>
                   <a:schemeClr val="accent6"/>
                 </a:solidFill>
-                <a:effectLst/>
                 <a:latin typeface="Montserrat" pitchFamily="2" charset="77"/>
               </a:rPr>
-              <a:t>the code </a:t>
-            </a:r>
-            <a:r>
-              <a:rPr lang="en-GB" b="1" i="0" dirty="0">
+              <a:t>with code </a:t>
+            </a:r>
+            <a:r>
+              <a:rPr lang="en-GB" b="1" dirty="0">
                 <a:solidFill>
                   <a:schemeClr val="accent6"/>
                 </a:solidFill>
-                <a:effectLst/>
                 <a:latin typeface="Montserrat" pitchFamily="2" charset="77"/>
               </a:rPr>
-              <a:t>4482 2802</a:t>
-            </a:r>
-            <a:endParaRPr lang="en-NO" dirty="0">
+              <a:t>2855-5096</a:t>
+            </a:r>
+            <a:endParaRPr lang="en-NO" b="1" dirty="0">
               <a:solidFill>
                 <a:schemeClr val="accent6"/>
               </a:solidFill>
@@ -24001,8 +23994,8 @@
           </a:p>
         </p:txBody>
       </p:sp>
-      <mc:AlternateContent xmlns:mc="http://schemas.openxmlformats.org/markup-compatibility/2006">
-        <mc:Choice xmlns:a14="http://schemas.microsoft.com/office/drawing/2010/main" Requires="a14">
+      <mc:AlternateContent xmlns:mc="http://schemas.openxmlformats.org/markup-compatibility/2006" xmlns:a14="http://schemas.microsoft.com/office/drawing/2010/main">
+        <mc:Choice Requires="a14">
           <p:sp>
             <p:nvSpPr>
               <p:cNvPr id="5" name="Content Placeholder 4">
@@ -24236,7 +24229,7 @@
             </p:txBody>
           </p:sp>
         </mc:Choice>
-        <mc:Fallback>
+        <mc:Fallback xmlns="">
           <p:sp>
             <p:nvSpPr>
               <p:cNvPr id="5" name="Content Placeholder 4">
